--- a/hw07/Project7_第32組_小組報告/Report/Project7_第32組.pptx
+++ b/hw07/Project7_第32組_小組報告/Report/Project7_第32組.pptx
@@ -240,7 +240,7 @@
                 <a:latin typeface="Microsoft JhengHei UI" panose="020B0604030504040204" pitchFamily="34" charset="-120"/>
                 <a:ea typeface="Microsoft JhengHei UI" panose="020B0604030504040204" pitchFamily="34" charset="-120"/>
               </a:rPr>
-              <a:t>2021/5/19</a:t>
+              <a:t>2021/6/1</a:t>
             </a:fld>
             <a:endParaRPr lang="zh-TW" altLang="en-US" dirty="0">
               <a:latin typeface="Microsoft JhengHei UI" panose="020B0604030504040204" pitchFamily="34" charset="-120"/>
@@ -438,7 +438,7 @@
             <a:fld id="{CD0ECE72-8E14-425C-9974-4352C15ACEB8}" type="datetime1">
               <a:rPr lang="en-US" altLang="zh-TW" noProof="0" smtClean="0"/>
               <a:pPr/>
-              <a:t>5/19/2021</a:t>
+              <a:t>6/1/2021</a:t>
             </a:fld>
             <a:endParaRPr lang="zh-TW" altLang="en-US" noProof="0" dirty="0"/>
           </a:p>
@@ -10744,7 +10744,7 @@
           </a:ln>
           <a:extLst>
             <a:ext uri="{C572A759-6A51-4108-AA02-DFA0A04FC94B}">
-              <ma14:wrappingTextBoxFlag xmlns:ma14="http://schemas.microsoft.com/office/mac/drawingml/2011/main" xmlns="" val="1"/>
+              <ma14:wrappingTextBoxFlag xmlns="" xmlns:ma14="http://schemas.microsoft.com/office/mac/drawingml/2011/main" val="1"/>
             </a:ext>
           </a:extLst>
         </p:spPr>
@@ -11417,7 +11417,7 @@
           </a:p>
           <a:p>
             <a:r>
-              <a:rPr lang="en-US" altLang="zh-TW" b="1">
+              <a:rPr lang="en-US" altLang="zh-TW" b="1" dirty="0">
                 <a:solidFill>
                   <a:srgbClr val="2B4D89"/>
                 </a:solidFill>
@@ -11639,7 +11639,7 @@
                 <a16:creationId xmlns:a16="http://schemas.microsoft.com/office/drawing/2014/main" id="{944C982A-D694-43A6-9330-50F554BC24A2}"/>
               </a:ext>
               <a:ext uri="{C183D7F6-B498-43B3-948B-1728B52AA6E4}">
-                <adec:decorative xmlns:adec="http://schemas.microsoft.com/office/drawing/2017/decorative" val="1"/>
+                <adec:decorative xmlns:adec="http://schemas.microsoft.com/office/drawing/2017/decorative" xmlns="" val="1"/>
               </a:ext>
             </a:extLst>
           </p:cNvPr>
@@ -12477,7 +12477,7 @@
           <p:cNvPr id="8" name="橢圓​​ 7">
             <a:extLst>
               <a:ext uri="{C183D7F6-B498-43B3-948B-1728B52AA6E4}">
-                <adec:decorative xmlns:adec="http://schemas.microsoft.com/office/drawing/2017/decorative" val="1"/>
+                <adec:decorative xmlns:adec="http://schemas.microsoft.com/office/drawing/2017/decorative" xmlns="" val="1"/>
               </a:ext>
             </a:extLst>
           </p:cNvPr>
@@ -14961,23 +14961,6 @@
 </file>
 
 <file path=customXml/item1.xml><?xml version="1.0" encoding="utf-8"?>
-<?mso-contentType ?>
-<FormTemplates xmlns="http://schemas.microsoft.com/sharepoint/v3/contenttype/forms">
-  <Display>DocumentLibraryForm</Display>
-  <Edit>DocumentLibraryForm</Edit>
-  <New>DocumentLibraryForm</New>
-</FormTemplates>
-</file>
-
-<file path=customXml/item2.xml><?xml version="1.0" encoding="utf-8"?>
-<p:properties xmlns:p="http://schemas.microsoft.com/office/2006/metadata/properties" xmlns:xsi="http://www.w3.org/2001/XMLSchema-instance" xmlns:pc="http://schemas.microsoft.com/office/infopath/2007/PartnerControls">
-  <documentManagement>
-    <MediaServiceKeyPoints xmlns="71af3243-3dd4-4a8d-8c0d-dd76da1f02a5" xsi:nil="true"/>
-  </documentManagement>
-</p:properties>
-</file>
-
-<file path=customXml/item3.xml><?xml version="1.0" encoding="utf-8"?>
 <ct:contentTypeSchema xmlns:ct="http://schemas.microsoft.com/office/2006/metadata/contentType" xmlns:ma="http://schemas.microsoft.com/office/2006/metadata/properties/metaAttributes" ct:_="" ma:_="" ma:contentTypeName="Document" ma:contentTypeID="0x01010079F111ED35F8CC479449609E8A0923A6" ma:contentTypeVersion="11" ma:contentTypeDescription="Create a new document." ma:contentTypeScope="" ma:versionID="96291512c1ee715ab617f4c07df79fc1">
   <xsd:schema xmlns:xsd="http://www.w3.org/2001/XMLSchema" xmlns:xs="http://www.w3.org/2001/XMLSchema" xmlns:p="http://schemas.microsoft.com/office/2006/metadata/properties" xmlns:ns2="71af3243-3dd4-4a8d-8c0d-dd76da1f02a5" xmlns:ns3="16c05727-aa75-4e4a-9b5f-8a80a1165891" targetNamespace="http://schemas.microsoft.com/office/2006/metadata/properties" ma:root="true" ma:fieldsID="8256c27c40ca5c40ce1cf6c44f0205df" ns2:_="" ns3:_="">
     <xsd:import namespace="71af3243-3dd4-4a8d-8c0d-dd76da1f02a5"/>
@@ -15188,25 +15171,24 @@
 </ct:contentTypeSchema>
 </file>
 
-<file path=customXml/itemProps1.xml><?xml version="1.0" encoding="utf-8"?>
-<ds:datastoreItem xmlns:ds="http://schemas.openxmlformats.org/officeDocument/2006/customXml" ds:itemID="{6D0B596E-8E5F-4DB7-9C0B-A416410C0FAB}">
-  <ds:schemaRefs>
-    <ds:schemaRef ds:uri="http://schemas.microsoft.com/sharepoint/v3/contenttype/forms"/>
-  </ds:schemaRefs>
-</ds:datastoreItem>
+<file path=customXml/item2.xml><?xml version="1.0" encoding="utf-8"?>
+<p:properties xmlns:p="http://schemas.microsoft.com/office/2006/metadata/properties" xmlns:xsi="http://www.w3.org/2001/XMLSchema-instance" xmlns:pc="http://schemas.microsoft.com/office/infopath/2007/PartnerControls">
+  <documentManagement>
+    <MediaServiceKeyPoints xmlns="71af3243-3dd4-4a8d-8c0d-dd76da1f02a5" xsi:nil="true"/>
+  </documentManagement>
+</p:properties>
 </file>
 
-<file path=customXml/itemProps2.xml><?xml version="1.0" encoding="utf-8"?>
-<ds:datastoreItem xmlns:ds="http://schemas.openxmlformats.org/officeDocument/2006/customXml" ds:itemID="{271DA07E-9A1F-402C-A357-ABD24F8C703B}">
-  <ds:schemaRefs>
-    <ds:schemaRef ds:uri="http://schemas.microsoft.com/office/2006/metadata/properties"/>
-    <ds:schemaRef ds:uri="http://schemas.microsoft.com/office/infopath/2007/PartnerControls"/>
-    <ds:schemaRef ds:uri="71af3243-3dd4-4a8d-8c0d-dd76da1f02a5"/>
-  </ds:schemaRefs>
-</ds:datastoreItem>
+<file path=customXml/item3.xml><?xml version="1.0" encoding="utf-8"?>
+<?mso-contentType ?>
+<FormTemplates xmlns="http://schemas.microsoft.com/sharepoint/v3/contenttype/forms">
+  <Display>DocumentLibraryForm</Display>
+  <Edit>DocumentLibraryForm</Edit>
+  <New>DocumentLibraryForm</New>
+</FormTemplates>
 </file>
 
-<file path=customXml/itemProps3.xml><?xml version="1.0" encoding="utf-8"?>
+<file path=customXml/itemProps1.xml><?xml version="1.0" encoding="utf-8"?>
 <ds:datastoreItem xmlns:ds="http://schemas.openxmlformats.org/officeDocument/2006/customXml" ds:itemID="{5215998C-280A-471A-8BB1-CDC2B95FC290}">
   <ds:schemaRefs>
     <ds:schemaRef ds:uri="http://schemas.microsoft.com/office/2006/metadata/contentType"/>
@@ -15223,4 +15205,22 @@
     <ds:schemaRef ds:uri="http://schemas.microsoft.com/internal/obd"/>
   </ds:schemaRefs>
 </ds:datastoreItem>
+</file>
+
+<file path=customXml/itemProps2.xml><?xml version="1.0" encoding="utf-8"?>
+<ds:datastoreItem xmlns:ds="http://schemas.openxmlformats.org/officeDocument/2006/customXml" ds:itemID="{271DA07E-9A1F-402C-A357-ABD24F8C703B}">
+  <ds:schemaRefs>
+    <ds:schemaRef ds:uri="http://schemas.microsoft.com/office/2006/metadata/properties"/>
+    <ds:schemaRef ds:uri="http://schemas.microsoft.com/office/infopath/2007/PartnerControls"/>
+    <ds:schemaRef ds:uri="71af3243-3dd4-4a8d-8c0d-dd76da1f02a5"/>
+  </ds:schemaRefs>
+</ds:datastoreItem>
+</file>
+
+<file path=customXml/itemProps3.xml><?xml version="1.0" encoding="utf-8"?>
+<ds:datastoreItem xmlns:ds="http://schemas.openxmlformats.org/officeDocument/2006/customXml" ds:itemID="{6D0B596E-8E5F-4DB7-9C0B-A416410C0FAB}">
+  <ds:schemaRefs>
+    <ds:schemaRef ds:uri="http://schemas.microsoft.com/sharepoint/v3/contenttype/forms"/>
+  </ds:schemaRefs>
+</ds:datastoreItem>
 </file>